--- a/out/ИспользованиетехнологииBigDataвРоссии.pptx
+++ b/out/ИспользованиетехнологииBigDataвРоссии.pptx
@@ -3227,7 +3227,7 @@
         <p:spPr>
           <a:xfrm>
             <a:off x="8910320" y="1219200"/>
-            <a:ext cx="6883400" cy="4584700"/>
+            <a:ext cx="6883400" cy="3225800"/>
           </a:xfrm>
           <a:prstGeom prst="rect">
             <a:avLst/>
@@ -3448,7 +3448,7 @@
         <p:spPr>
           <a:xfrm>
             <a:off x="8910320" y="1219200"/>
-            <a:ext cx="6883400" cy="3327400"/>
+            <a:ext cx="6883400" cy="5156200"/>
           </a:xfrm>
           <a:prstGeom prst="rect">
             <a:avLst/>
@@ -3669,7 +3669,7 @@
         <p:spPr>
           <a:xfrm>
             <a:off x="8910320" y="1219200"/>
-            <a:ext cx="6883400" cy="3873500"/>
+            <a:ext cx="6883400" cy="5156200"/>
           </a:xfrm>
           <a:prstGeom prst="rect">
             <a:avLst/>
@@ -3890,7 +3890,7 @@
         <p:spPr>
           <a:xfrm>
             <a:off x="8910320" y="1219200"/>
-            <a:ext cx="6883400" cy="4876800"/>
+            <a:ext cx="6883400" cy="4127500"/>
           </a:xfrm>
           <a:prstGeom prst="rect">
             <a:avLst/>
@@ -4111,7 +4111,7 @@
         <p:spPr>
           <a:xfrm>
             <a:off x="8910320" y="1219200"/>
-            <a:ext cx="6883400" cy="2857500"/>
+            <a:ext cx="6883400" cy="3327400"/>
           </a:xfrm>
           <a:prstGeom prst="rect">
             <a:avLst/>
@@ -4332,7 +4332,7 @@
         <p:spPr>
           <a:xfrm>
             <a:off x="8910320" y="1219200"/>
-            <a:ext cx="6883400" cy="4584700"/>
+            <a:ext cx="6883400" cy="3225800"/>
           </a:xfrm>
           <a:prstGeom prst="rect">
             <a:avLst/>
@@ -4553,7 +4553,7 @@
         <p:spPr>
           <a:xfrm>
             <a:off x="8910320" y="1219200"/>
-            <a:ext cx="6883400" cy="3848100"/>
+            <a:ext cx="6883400" cy="4584700"/>
           </a:xfrm>
           <a:prstGeom prst="rect">
             <a:avLst/>
@@ -4774,7 +4774,7 @@
         <p:spPr>
           <a:xfrm>
             <a:off x="8910320" y="1219200"/>
-            <a:ext cx="6883400" cy="4584700"/>
+            <a:ext cx="6883400" cy="3848100"/>
           </a:xfrm>
           <a:prstGeom prst="rect">
             <a:avLst/>
@@ -4995,7 +4995,7 @@
         <p:spPr>
           <a:xfrm>
             <a:off x="8910320" y="1219200"/>
-            <a:ext cx="6883400" cy="5156200"/>
+            <a:ext cx="5600700" cy="7467600"/>
           </a:xfrm>
           <a:prstGeom prst="rect">
             <a:avLst/>
@@ -5216,7 +5216,7 @@
         <p:spPr>
           <a:xfrm>
             <a:off x="8910320" y="1219200"/>
-            <a:ext cx="6883400" cy="4127500"/>
+            <a:ext cx="6883400" cy="3949700"/>
           </a:xfrm>
           <a:prstGeom prst="rect">
             <a:avLst/>
@@ -5437,7 +5437,7 @@
         <p:spPr>
           <a:xfrm>
             <a:off x="8910320" y="1219200"/>
-            <a:ext cx="6883400" cy="3949700"/>
+            <a:ext cx="6883400" cy="2857500"/>
           </a:xfrm>
           <a:prstGeom prst="rect">
             <a:avLst/>
@@ -5658,7 +5658,7 @@
         <p:spPr>
           <a:xfrm>
             <a:off x="8910320" y="1219200"/>
-            <a:ext cx="6883400" cy="3848100"/>
+            <a:ext cx="6883400" cy="4584700"/>
           </a:xfrm>
           <a:prstGeom prst="rect">
             <a:avLst/>
@@ -5879,7 +5879,7 @@
         <p:spPr>
           <a:xfrm>
             <a:off x="8910320" y="1219200"/>
-            <a:ext cx="6883400" cy="5156200"/>
+            <a:ext cx="6883400" cy="4876800"/>
           </a:xfrm>
           <a:prstGeom prst="rect">
             <a:avLst/>
@@ -6426,7 +6426,7 @@
         <p:spPr>
           <a:xfrm>
             <a:off x="8910320" y="1219200"/>
-            <a:ext cx="6883400" cy="4584700"/>
+            <a:ext cx="6883400" cy="3848100"/>
           </a:xfrm>
           <a:prstGeom prst="rect">
             <a:avLst/>
@@ -6647,7 +6647,7 @@
         <p:spPr>
           <a:xfrm>
             <a:off x="8910320" y="1219200"/>
-            <a:ext cx="6883400" cy="5156200"/>
+            <a:ext cx="5600700" cy="7467600"/>
           </a:xfrm>
           <a:prstGeom prst="rect">
             <a:avLst/>
@@ -6868,7 +6868,7 @@
         <p:spPr>
           <a:xfrm>
             <a:off x="8910320" y="1219200"/>
-            <a:ext cx="6883400" cy="4127500"/>
+            <a:ext cx="6883400" cy="3949700"/>
           </a:xfrm>
           <a:prstGeom prst="rect">
             <a:avLst/>
@@ -7089,7 +7089,7 @@
         <p:spPr>
           <a:xfrm>
             <a:off x="8910320" y="1219200"/>
-            <a:ext cx="6883400" cy="3949700"/>
+            <a:ext cx="6883400" cy="2857500"/>
           </a:xfrm>
           <a:prstGeom prst="rect">
             <a:avLst/>
@@ -7310,7 +7310,7 @@
         <p:spPr>
           <a:xfrm>
             <a:off x="8910320" y="1219200"/>
-            <a:ext cx="6883400" cy="5156200"/>
+            <a:ext cx="6883400" cy="4876800"/>
           </a:xfrm>
           <a:prstGeom prst="rect">
             <a:avLst/>
@@ -7531,7 +7531,7 @@
         <p:spPr>
           <a:xfrm>
             <a:off x="8910320" y="1219200"/>
-            <a:ext cx="6883400" cy="3225800"/>
+            <a:ext cx="6883400" cy="3873500"/>
           </a:xfrm>
           <a:prstGeom prst="rect">
             <a:avLst/>
@@ -7752,7 +7752,7 @@
         <p:spPr>
           <a:xfrm>
             <a:off x="8910320" y="1219200"/>
-            <a:ext cx="5600700" cy="7467600"/>
+            <a:ext cx="6883400" cy="4584700"/>
           </a:xfrm>
           <a:prstGeom prst="rect">
             <a:avLst/>
